--- a/research/OrcInMem/doc/filikadb.pptx
+++ b/research/OrcInMem/doc/filikadb.pptx
@@ -1823,11 +1823,7 @@
           <a:pPr rtl="0"/>
           <a:r>
             <a:rPr lang="tr-TR" sz="800" dirty="0" smtClean="0"/>
-            <a:t>Verilerin farklı "FilikaDB Istemci" ‘lerine dağıtan ve uygun olarak okuyan algoritmanın çalıştığı </a:t>
-          </a:r>
-          <a:r>
-            <a:rPr lang="tr-TR" sz="800" dirty="0" smtClean="0"/>
-            <a:t>modüldür. Paketleme mekanizması, packet yakalama ve doğrulama algoritmaları mu modülde çalışacaktır.</a:t>
+            <a:t>Verilerin farklı "FilikaDB Istemci" ‘lerine dağıtan ve uygun olarak okuyan algoritmanın çalıştığı modüldür. Paketleme mekanizması, packet yakalama ve doğrulama algoritmaları mu modülde çalışacaktır.</a:t>
           </a:r>
           <a:endParaRPr lang="tr-TR" sz="800" dirty="0"/>
         </a:p>
@@ -1903,11 +1899,7 @@
           <a:pPr rtl="0"/>
           <a:r>
             <a:rPr lang="tr-TR" sz="800" dirty="0" smtClean="0"/>
-            <a:t>Aktif </a:t>
-          </a:r>
-          <a:r>
-            <a:rPr lang="tr-TR" sz="800" dirty="0" smtClean="0"/>
-            <a:t>"FilikaDB Sunucu" ‘sunu tespit eden ve ver trafiğinin onun üzerinden geçmesini sağlayan modül.</a:t>
+            <a:t>Aktif "FilikaDB Sunucu" ‘sunu tespit eden ve ver trafiğinin onun üzerinden geçmesini sağlayan modül.</a:t>
           </a:r>
           <a:endParaRPr lang="tr-TR" sz="800" dirty="0"/>
         </a:p>
@@ -3925,11 +3917,7 @@
           </a:pPr>
           <a:r>
             <a:rPr lang="tr-TR" sz="800" kern="1200" dirty="0" smtClean="0"/>
-            <a:t>Verilerin farklı "FilikaDB Istemci" ‘lerine dağıtan ve uygun olarak okuyan algoritmanın çalıştığı </a:t>
-          </a:r>
-          <a:r>
-            <a:rPr lang="tr-TR" sz="800" kern="1200" dirty="0" smtClean="0"/>
-            <a:t>modüldür. Paketleme mekanizması, packet yakalama ve doğrulama algoritmaları mu modülde çalışacaktır.</a:t>
+            <a:t>Verilerin farklı "FilikaDB Istemci" ‘lerine dağıtan ve uygun olarak okuyan algoritmanın çalıştığı modüldür. Paketleme mekanizması, packet yakalama ve doğrulama algoritmaları mu modülde çalışacaktır.</a:t>
           </a:r>
           <a:endParaRPr lang="tr-TR" sz="800" kern="1200" dirty="0"/>
         </a:p>
@@ -4086,11 +4074,7 @@
           </a:pPr>
           <a:r>
             <a:rPr lang="tr-TR" sz="800" kern="1200" dirty="0" smtClean="0"/>
-            <a:t>Aktif </a:t>
-          </a:r>
-          <a:r>
-            <a:rPr lang="tr-TR" sz="800" kern="1200" dirty="0" smtClean="0"/>
-            <a:t>"FilikaDB Sunucu" ‘sunu tespit eden ve ver trafiğinin onun üzerinden geçmesini sağlayan modül.</a:t>
+            <a:t>Aktif "FilikaDB Sunucu" ‘sunu tespit eden ve ver trafiğinin onun üzerinden geçmesini sağlayan modül.</a:t>
           </a:r>
           <a:endParaRPr lang="tr-TR" sz="800" kern="1200" dirty="0"/>
         </a:p>
@@ -6170,7 +6154,7 @@
           <a:p>
             <a:fld id="{52F78DC7-9F26-48FA-807B-F8CD68BBDAF3}" type="datetimeFigureOut">
               <a:rPr lang="tr-TR" smtClean="0"/>
-              <a:t>31.07.2018</a:t>
+              <a:t>2.08.2018</a:t>
             </a:fld>
             <a:endParaRPr lang="tr-TR"/>
           </a:p>
@@ -6421,7 +6405,7 @@
           <a:p>
             <a:fld id="{52F78DC7-9F26-48FA-807B-F8CD68BBDAF3}" type="datetimeFigureOut">
               <a:rPr lang="tr-TR" smtClean="0"/>
-              <a:t>31.07.2018</a:t>
+              <a:t>2.08.2018</a:t>
             </a:fld>
             <a:endParaRPr lang="tr-TR"/>
           </a:p>
@@ -6735,7 +6719,7 @@
           <a:p>
             <a:fld id="{52F78DC7-9F26-48FA-807B-F8CD68BBDAF3}" type="datetimeFigureOut">
               <a:rPr lang="tr-TR" smtClean="0"/>
-              <a:t>31.07.2018</a:t>
+              <a:t>2.08.2018</a:t>
             </a:fld>
             <a:endParaRPr lang="tr-TR"/>
           </a:p>
@@ -7076,7 +7060,7 @@
           <a:p>
             <a:fld id="{52F78DC7-9F26-48FA-807B-F8CD68BBDAF3}" type="datetimeFigureOut">
               <a:rPr lang="tr-TR" smtClean="0"/>
-              <a:t>31.07.2018</a:t>
+              <a:t>2.08.2018</a:t>
             </a:fld>
             <a:endParaRPr lang="tr-TR"/>
           </a:p>
@@ -7390,7 +7374,7 @@
           <a:p>
             <a:fld id="{52F78DC7-9F26-48FA-807B-F8CD68BBDAF3}" type="datetimeFigureOut">
               <a:rPr lang="tr-TR" smtClean="0"/>
-              <a:t>31.07.2018</a:t>
+              <a:t>2.08.2018</a:t>
             </a:fld>
             <a:endParaRPr lang="tr-TR"/>
           </a:p>
@@ -7783,7 +7767,7 @@
           <a:p>
             <a:fld id="{52F78DC7-9F26-48FA-807B-F8CD68BBDAF3}" type="datetimeFigureOut">
               <a:rPr lang="tr-TR" smtClean="0"/>
-              <a:t>31.07.2018</a:t>
+              <a:t>2.08.2018</a:t>
             </a:fld>
             <a:endParaRPr lang="tr-TR"/>
           </a:p>
@@ -7953,7 +7937,7 @@
           <a:p>
             <a:fld id="{52F78DC7-9F26-48FA-807B-F8CD68BBDAF3}" type="datetimeFigureOut">
               <a:rPr lang="tr-TR" smtClean="0"/>
-              <a:t>31.07.2018</a:t>
+              <a:t>2.08.2018</a:t>
             </a:fld>
             <a:endParaRPr lang="tr-TR"/>
           </a:p>
@@ -8133,7 +8117,7 @@
           <a:p>
             <a:fld id="{52F78DC7-9F26-48FA-807B-F8CD68BBDAF3}" type="datetimeFigureOut">
               <a:rPr lang="tr-TR" smtClean="0"/>
-              <a:t>31.07.2018</a:t>
+              <a:t>2.08.2018</a:t>
             </a:fld>
             <a:endParaRPr lang="tr-TR"/>
           </a:p>
@@ -8309,7 +8293,7 @@
           <a:p>
             <a:fld id="{52F78DC7-9F26-48FA-807B-F8CD68BBDAF3}" type="datetimeFigureOut">
               <a:rPr lang="tr-TR" smtClean="0"/>
-              <a:t>31.07.2018</a:t>
+              <a:t>2.08.2018</a:t>
             </a:fld>
             <a:endParaRPr lang="tr-TR"/>
           </a:p>
@@ -8556,7 +8540,7 @@
           <a:p>
             <a:fld id="{52F78DC7-9F26-48FA-807B-F8CD68BBDAF3}" type="datetimeFigureOut">
               <a:rPr lang="tr-TR" smtClean="0"/>
-              <a:t>31.07.2018</a:t>
+              <a:t>2.08.2018</a:t>
             </a:fld>
             <a:endParaRPr lang="tr-TR"/>
           </a:p>
@@ -8788,7 +8772,7 @@
           <a:p>
             <a:fld id="{52F78DC7-9F26-48FA-807B-F8CD68BBDAF3}" type="datetimeFigureOut">
               <a:rPr lang="tr-TR" smtClean="0"/>
-              <a:t>31.07.2018</a:t>
+              <a:t>2.08.2018</a:t>
             </a:fld>
             <a:endParaRPr lang="tr-TR"/>
           </a:p>
@@ -9162,7 +9146,7 @@
           <a:p>
             <a:fld id="{52F78DC7-9F26-48FA-807B-F8CD68BBDAF3}" type="datetimeFigureOut">
               <a:rPr lang="tr-TR" smtClean="0"/>
-              <a:t>31.07.2018</a:t>
+              <a:t>2.08.2018</a:t>
             </a:fld>
             <a:endParaRPr lang="tr-TR"/>
           </a:p>
@@ -9285,7 +9269,7 @@
           <a:p>
             <a:fld id="{52F78DC7-9F26-48FA-807B-F8CD68BBDAF3}" type="datetimeFigureOut">
               <a:rPr lang="tr-TR" smtClean="0"/>
-              <a:t>31.07.2018</a:t>
+              <a:t>2.08.2018</a:t>
             </a:fld>
             <a:endParaRPr lang="tr-TR"/>
           </a:p>
@@ -9380,7 +9364,7 @@
           <a:p>
             <a:fld id="{52F78DC7-9F26-48FA-807B-F8CD68BBDAF3}" type="datetimeFigureOut">
               <a:rPr lang="tr-TR" smtClean="0"/>
-              <a:t>31.07.2018</a:t>
+              <a:t>2.08.2018</a:t>
             </a:fld>
             <a:endParaRPr lang="tr-TR"/>
           </a:p>
@@ -9635,7 +9619,7 @@
           <a:p>
             <a:fld id="{52F78DC7-9F26-48FA-807B-F8CD68BBDAF3}" type="datetimeFigureOut">
               <a:rPr lang="tr-TR" smtClean="0"/>
-              <a:t>31.07.2018</a:t>
+              <a:t>2.08.2018</a:t>
             </a:fld>
             <a:endParaRPr lang="tr-TR"/>
           </a:p>
@@ -9898,7 +9882,7 @@
           <a:p>
             <a:fld id="{52F78DC7-9F26-48FA-807B-F8CD68BBDAF3}" type="datetimeFigureOut">
               <a:rPr lang="tr-TR" smtClean="0"/>
-              <a:t>31.07.2018</a:t>
+              <a:t>2.08.2018</a:t>
             </a:fld>
             <a:endParaRPr lang="tr-TR"/>
           </a:p>
@@ -10641,7 +10625,7 @@
           <a:p>
             <a:fld id="{52F78DC7-9F26-48FA-807B-F8CD68BBDAF3}" type="datetimeFigureOut">
               <a:rPr lang="tr-TR" smtClean="0"/>
-              <a:t>31.07.2018</a:t>
+              <a:t>2.08.2018</a:t>
             </a:fld>
             <a:endParaRPr lang="tr-TR"/>
           </a:p>
@@ -11347,11 +11331,7 @@
             <a:pPr algn="ctr"/>
             <a:r>
               <a:rPr lang="tr-TR" b="1" dirty="0" smtClean="0"/>
-              <a:t>FilikaDB </a:t>
-            </a:r>
-            <a:r>
-              <a:rPr lang="tr-TR" b="1" dirty="0" smtClean="0"/>
-              <a:t>Ürün Ailesi</a:t>
+              <a:t>FilikaDB Ürün Ailesi</a:t>
             </a:r>
             <a:endParaRPr lang="tr-TR" b="1" dirty="0"/>
           </a:p>
@@ -11673,7 +11653,7 @@
       </p:sp>
       <p:pic>
         <p:nvPicPr>
-          <p:cNvPr id="3" name="Picture 2"/>
+          <p:cNvPr id="4" name="Picture 3"/>
           <p:cNvPicPr>
             <a:picLocks noChangeAspect="1"/>
           </p:cNvPicPr>
@@ -11687,8 +11667,8 @@
         </p:blipFill>
         <p:spPr>
           <a:xfrm>
-            <a:off x="803082" y="1270000"/>
-            <a:ext cx="7725062" cy="5365639"/>
+            <a:off x="1064265" y="1270000"/>
+            <a:ext cx="7822805" cy="5433528"/>
           </a:xfrm>
           <a:prstGeom prst="rect">
             <a:avLst/>
@@ -12239,11 +12219,7 @@
             </a:r>
             <a:r>
               <a:rPr lang="tr-TR" dirty="0" smtClean="0"/>
-              <a:t>‘na ihtiaç duyulmaktadır</a:t>
-            </a:r>
-            <a:r>
-              <a:rPr lang="tr-TR" dirty="0" smtClean="0"/>
-              <a:t>.</a:t>
+              <a:t>‘na ihtiaç duyulmaktadır.</a:t>
             </a:r>
           </a:p>
           <a:p>
@@ -12339,25 +12315,13 @@
             </a:r>
             <a:r>
               <a:rPr lang="tr-TR" dirty="0" smtClean="0"/>
-              <a:t>Ürün Ailesi" farklı performans ihtiyaclarına, </a:t>
-            </a:r>
+              <a:t>Ürün Ailesi" farklı performans ihtiyaclarına, farklı yük ihtiyaçların uygun olarak ölçeklendirebilecektir. Yani ihtiyaca göre kapasitesini arttırabilecek yada azaltabilecektir.</a:t>
+            </a:r>
+          </a:p>
+          <a:p>
             <a:r>
               <a:rPr lang="tr-TR" dirty="0" smtClean="0"/>
-              <a:t>farklı </a:t>
-            </a:r>
-            <a:r>
-              <a:rPr lang="tr-TR" dirty="0" smtClean="0"/>
-              <a:t>yük ihtiyaçların uygun olarak ölçeklendirebilecektir. Yani ihtiyaca göre kapasitesini arttırabilecek yada azaltabilecektir.</a:t>
-            </a:r>
-          </a:p>
-          <a:p>
-            <a:r>
-              <a:rPr lang="tr-TR" dirty="0" smtClean="0"/>
-              <a:t>"FilikaDB Ürün </a:t>
-            </a:r>
-            <a:r>
-              <a:rPr lang="tr-TR" dirty="0" smtClean="0"/>
-              <a:t>Ailesi" bu amaç doğrultusunda </a:t>
+              <a:t>"FilikaDB Ürün Ailesi" bu amaç doğrultusunda </a:t>
             </a:r>
             <a:r>
               <a:rPr lang="tr-TR" dirty="0"/>
@@ -12365,15 +12329,7 @@
             </a:r>
             <a:r>
               <a:rPr lang="tr-TR" dirty="0" smtClean="0"/>
-              <a:t>Istemci" ‘ye </a:t>
-            </a:r>
-            <a:r>
-              <a:rPr lang="tr-TR" dirty="0" smtClean="0"/>
-              <a:t>dağıtmaktadır</a:t>
-            </a:r>
-            <a:r>
-              <a:rPr lang="tr-TR" dirty="0" smtClean="0"/>
-              <a:t>. "Yüksek Devamlılık" bölümünde de anlatıldığı gibi "</a:t>
+              <a:t>Istemci" ‘ye dağıtmaktadır. "Yüksek Devamlılık" bölümünde de anlatıldığı gibi "</a:t>
             </a:r>
             <a:r>
               <a:rPr lang="en-GB" dirty="0" smtClean="0"/>
@@ -12433,16 +12389,11 @@
               <a:rPr lang="tr-TR" dirty="0" smtClean="0"/>
               <a:t>Dağıtıcı" ‘sı paralel çalıştırılabilecek. </a:t>
             </a:r>
-            <a:endParaRPr lang="tr-TR" dirty="0" smtClean="0"/>
           </a:p>
           <a:p>
             <a:r>
               <a:rPr lang="tr-TR" dirty="0" smtClean="0"/>
-              <a:t>"FilikaDB Veri Dağıtıcı" ‘sını paralel çalıştırabilmek için "FilikaDB </a:t>
-            </a:r>
-            <a:r>
-              <a:rPr lang="tr-TR" dirty="0" smtClean="0"/>
-              <a:t>PostgreSQL Extension</a:t>
+              <a:t>"FilikaDB Veri Dağıtıcı" ‘sını paralel çalıştırabilmek için "FilikaDB PostgreSQL Extension</a:t>
             </a:r>
             <a:r>
               <a:rPr lang="tr-TR" dirty="0"/>
@@ -12466,15 +12417,7 @@
             </a:r>
             <a:r>
               <a:rPr lang="tr-TR" dirty="0" smtClean="0"/>
-              <a:t>Dağıtıcı" ‘lar </a:t>
-            </a:r>
-            <a:r>
-              <a:rPr lang="tr-TR" dirty="0" smtClean="0"/>
-              <a:t>üzerinden </a:t>
-            </a:r>
-            <a:r>
-              <a:rPr lang="tr-TR" dirty="0" smtClean="0"/>
-              <a:t>dağitabileck.</a:t>
+              <a:t>Dağıtıcı" ‘lar üzerinden dağitabileck.</a:t>
             </a:r>
           </a:p>
           <a:p>
